--- a/Spring/5-spring-web-architecture.pptx
+++ b/Spring/5-spring-web-architecture.pptx
@@ -207,7 +207,7 @@
           <a:p>
             <a:fld id="{C2F81431-2630-4B82-8601-032FE273AD26}" type="datetimeFigureOut">
               <a:rPr lang="en-US" smtClean="0"/>
-              <a:t>6/17/2022</a:t>
+              <a:t>6/25/2022</a:t>
             </a:fld>
             <a:endParaRPr lang="en-US"/>
           </a:p>
@@ -608,7 +608,7 @@
           <a:p>
             <a:fld id="{C038239F-46F2-440C-87B3-439CF39309D8}" type="datetimeFigureOut">
               <a:rPr lang="en-US" smtClean="0"/>
-              <a:t>6/17/2022</a:t>
+              <a:t>6/25/2022</a:t>
             </a:fld>
             <a:endParaRPr lang="en-US"/>
           </a:p>
@@ -895,7 +895,7 @@
           <a:p>
             <a:fld id="{C038239F-46F2-440C-87B3-439CF39309D8}" type="datetimeFigureOut">
               <a:rPr lang="en-US" smtClean="0"/>
-              <a:t>6/17/2022</a:t>
+              <a:t>6/25/2022</a:t>
             </a:fld>
             <a:endParaRPr lang="en-US"/>
           </a:p>
@@ -1087,7 +1087,7 @@
           <a:p>
             <a:fld id="{C038239F-46F2-440C-87B3-439CF39309D8}" type="datetimeFigureOut">
               <a:rPr lang="en-US" smtClean="0"/>
-              <a:t>6/17/2022</a:t>
+              <a:t>6/25/2022</a:t>
             </a:fld>
             <a:endParaRPr lang="en-US"/>
           </a:p>
@@ -1348,7 +1348,7 @@
           <a:p>
             <a:fld id="{C038239F-46F2-440C-87B3-439CF39309D8}" type="datetimeFigureOut">
               <a:rPr lang="en-US" smtClean="0"/>
-              <a:t>6/17/2022</a:t>
+              <a:t>6/25/2022</a:t>
             </a:fld>
             <a:endParaRPr lang="en-US"/>
           </a:p>
@@ -1772,7 +1772,7 @@
           <a:p>
             <a:fld id="{C038239F-46F2-440C-87B3-439CF39309D8}" type="datetimeFigureOut">
               <a:rPr lang="en-US" smtClean="0"/>
-              <a:t>6/17/2022</a:t>
+              <a:t>6/25/2022</a:t>
             </a:fld>
             <a:endParaRPr lang="en-US"/>
           </a:p>
@@ -2318,7 +2318,7 @@
           <a:p>
             <a:fld id="{C038239F-46F2-440C-87B3-439CF39309D8}" type="datetimeFigureOut">
               <a:rPr lang="en-US" smtClean="0"/>
-              <a:t>6/17/2022</a:t>
+              <a:t>6/25/2022</a:t>
             </a:fld>
             <a:endParaRPr lang="en-US"/>
           </a:p>
@@ -3158,7 +3158,7 @@
           <a:p>
             <a:fld id="{C038239F-46F2-440C-87B3-439CF39309D8}" type="datetimeFigureOut">
               <a:rPr lang="en-US" smtClean="0"/>
-              <a:t>6/17/2022</a:t>
+              <a:t>6/25/2022</a:t>
             </a:fld>
             <a:endParaRPr lang="en-US"/>
           </a:p>
@@ -3328,7 +3328,7 @@
           <a:p>
             <a:fld id="{C038239F-46F2-440C-87B3-439CF39309D8}" type="datetimeFigureOut">
               <a:rPr lang="en-US" smtClean="0"/>
-              <a:t>6/17/2022</a:t>
+              <a:t>6/25/2022</a:t>
             </a:fld>
             <a:endParaRPr lang="en-US"/>
           </a:p>
@@ -3512,7 +3512,7 @@
           <a:p>
             <a:fld id="{C038239F-46F2-440C-87B3-439CF39309D8}" type="datetimeFigureOut">
               <a:rPr lang="en-US" smtClean="0"/>
-              <a:t>6/17/2022</a:t>
+              <a:t>6/25/2022</a:t>
             </a:fld>
             <a:endParaRPr lang="en-US"/>
           </a:p>
@@ -3682,7 +3682,7 @@
           <a:p>
             <a:fld id="{C038239F-46F2-440C-87B3-439CF39309D8}" type="datetimeFigureOut">
               <a:rPr lang="en-US" smtClean="0"/>
-              <a:t>6/17/2022</a:t>
+              <a:t>6/25/2022</a:t>
             </a:fld>
             <a:endParaRPr lang="en-US"/>
           </a:p>
@@ -3930,7 +3930,7 @@
           <a:p>
             <a:fld id="{C038239F-46F2-440C-87B3-439CF39309D8}" type="datetimeFigureOut">
               <a:rPr lang="en-US" smtClean="0"/>
-              <a:t>6/17/2022</a:t>
+              <a:t>6/25/2022</a:t>
             </a:fld>
             <a:endParaRPr lang="en-US"/>
           </a:p>
@@ -4167,7 +4167,7 @@
           <a:p>
             <a:fld id="{C038239F-46F2-440C-87B3-439CF39309D8}" type="datetimeFigureOut">
               <a:rPr lang="en-US" smtClean="0"/>
-              <a:t>6/17/2022</a:t>
+              <a:t>6/25/2022</a:t>
             </a:fld>
             <a:endParaRPr lang="en-US"/>
           </a:p>
@@ -4540,7 +4540,7 @@
           <a:p>
             <a:fld id="{C038239F-46F2-440C-87B3-439CF39309D8}" type="datetimeFigureOut">
               <a:rPr lang="en-US" smtClean="0"/>
-              <a:t>6/17/2022</a:t>
+              <a:t>6/25/2022</a:t>
             </a:fld>
             <a:endParaRPr lang="en-US"/>
           </a:p>
@@ -4658,7 +4658,7 @@
           <a:p>
             <a:fld id="{C038239F-46F2-440C-87B3-439CF39309D8}" type="datetimeFigureOut">
               <a:rPr lang="en-US" smtClean="0"/>
-              <a:t>6/17/2022</a:t>
+              <a:t>6/25/2022</a:t>
             </a:fld>
             <a:endParaRPr lang="en-US"/>
           </a:p>
@@ -4753,7 +4753,7 @@
           <a:p>
             <a:fld id="{C038239F-46F2-440C-87B3-439CF39309D8}" type="datetimeFigureOut">
               <a:rPr lang="en-US" smtClean="0"/>
-              <a:t>6/17/2022</a:t>
+              <a:t>6/25/2022</a:t>
             </a:fld>
             <a:endParaRPr lang="en-US"/>
           </a:p>
@@ -5004,7 +5004,7 @@
           <a:p>
             <a:fld id="{C038239F-46F2-440C-87B3-439CF39309D8}" type="datetimeFigureOut">
               <a:rPr lang="en-US" smtClean="0"/>
-              <a:t>6/17/2022</a:t>
+              <a:t>6/25/2022</a:t>
             </a:fld>
             <a:endParaRPr lang="en-US"/>
           </a:p>
@@ -5291,7 +5291,7 @@
           <a:p>
             <a:fld id="{C038239F-46F2-440C-87B3-439CF39309D8}" type="datetimeFigureOut">
               <a:rPr lang="en-US" smtClean="0"/>
-              <a:t>6/17/2022</a:t>
+              <a:t>6/25/2022</a:t>
             </a:fld>
             <a:endParaRPr lang="en-US"/>
           </a:p>
@@ -5504,7 +5504,7 @@
           <a:p>
             <a:fld id="{C038239F-46F2-440C-87B3-439CF39309D8}" type="datetimeFigureOut">
               <a:rPr lang="en-US" smtClean="0"/>
-              <a:t>6/17/2022</a:t>
+              <a:t>6/25/2022</a:t>
             </a:fld>
             <a:endParaRPr lang="en-US"/>
           </a:p>
@@ -10671,872 +10671,1237 @@
             <p:ph sz="half" idx="1"/>
           </p:nvPr>
         </p:nvSpPr>
-        <p:spPr/>
+        <p:spPr>
+          <a:xfrm>
+            <a:off x="913795" y="1476462"/>
+            <a:ext cx="5106004" cy="5310231"/>
+          </a:xfrm>
+        </p:spPr>
         <p:txBody>
           <a:bodyPr>
-            <a:normAutofit fontScale="70000" lnSpcReduction="20000"/>
+            <a:noAutofit/>
           </a:bodyPr>
           <a:lstStyle/>
           <a:p>
             <a:r>
-              <a:rPr lang="en-US" sz="1600" dirty="0" err="1"/>
+              <a:rPr lang="en-US" sz="1200" b="1" dirty="0" err="1">
+                <a:effectLst/>
+              </a:rPr>
               <a:t>Tüm</a:t>
             </a:r>
             <a:r>
-              <a:rPr lang="en-US" sz="1600" dirty="0"/>
-              <a:t> </a:t>
-            </a:r>
-            <a:r>
-              <a:rPr lang="en-US" sz="1600" dirty="0" err="1"/>
+              <a:rPr lang="en-US" sz="1200" b="1" dirty="0">
+                <a:effectLst/>
+              </a:rPr>
+              <a:t> </a:t>
+            </a:r>
+            <a:r>
+              <a:rPr lang="en-US" sz="1200" b="1" dirty="0" err="1">
+                <a:effectLst/>
+              </a:rPr>
               <a:t>bu</a:t>
             </a:r>
             <a:r>
-              <a:rPr lang="en-US" sz="1600" dirty="0"/>
-              <a:t> </a:t>
-            </a:r>
-            <a:r>
-              <a:rPr lang="en-US" sz="1600" dirty="0" err="1"/>
+              <a:rPr lang="en-US" sz="1200" b="1" dirty="0">
+                <a:effectLst/>
+              </a:rPr>
+              <a:t> </a:t>
+            </a:r>
+            <a:r>
+              <a:rPr lang="en-US" sz="1200" b="1" dirty="0" err="1">
+                <a:effectLst/>
+              </a:rPr>
               <a:t>endişeleri</a:t>
             </a:r>
             <a:r>
-              <a:rPr lang="en-US" sz="1600" dirty="0"/>
+              <a:rPr lang="en-US" sz="1200" b="1" dirty="0">
+                <a:effectLst/>
+              </a:rPr>
               <a:t> "</a:t>
             </a:r>
             <a:r>
-              <a:rPr lang="en-US" sz="1600" dirty="0" err="1"/>
+              <a:rPr lang="en-US" sz="1200" b="1" dirty="0" err="1">
+                <a:effectLst/>
+              </a:rPr>
               <a:t>sadece</a:t>
             </a:r>
             <a:r>
-              <a:rPr lang="en-US" sz="1600" dirty="0"/>
+              <a:rPr lang="en-US" sz="1200" b="1" dirty="0">
+                <a:effectLst/>
+              </a:rPr>
               <a:t>" </a:t>
             </a:r>
             <a:r>
-              <a:rPr lang="en-US" sz="1600" dirty="0" err="1"/>
+              <a:rPr lang="en-US" sz="1200" b="1" dirty="0" err="1">
+                <a:effectLst/>
+              </a:rPr>
               <a:t>üç</a:t>
             </a:r>
             <a:r>
-              <a:rPr lang="en-US" sz="1600" dirty="0"/>
-              <a:t> </a:t>
-            </a:r>
-            <a:r>
-              <a:rPr lang="en-US" sz="1600" dirty="0" err="1"/>
+              <a:rPr lang="en-US" sz="1200" b="1" dirty="0">
+                <a:effectLst/>
+              </a:rPr>
+              <a:t> </a:t>
+            </a:r>
+            <a:r>
+              <a:rPr lang="en-US" sz="1200" b="1" dirty="0" err="1">
+                <a:effectLst/>
+              </a:rPr>
               <a:t>katman</a:t>
             </a:r>
             <a:r>
-              <a:rPr lang="en-US" sz="1600" dirty="0"/>
-              <a:t> </a:t>
-            </a:r>
-            <a:r>
-              <a:rPr lang="en-US" sz="1600" dirty="0" err="1"/>
+              <a:rPr lang="en-US" sz="1200" b="1" dirty="0">
+                <a:effectLst/>
+              </a:rPr>
+              <a:t> </a:t>
+            </a:r>
+            <a:r>
+              <a:rPr lang="en-US" sz="1200" b="1" dirty="0" err="1">
+                <a:effectLst/>
+              </a:rPr>
               <a:t>kullanarak</a:t>
             </a:r>
             <a:r>
-              <a:rPr lang="en-US" sz="1600" dirty="0"/>
-              <a:t> </a:t>
-            </a:r>
-            <a:r>
-              <a:rPr lang="en-US" sz="1600" dirty="0" err="1"/>
+              <a:rPr lang="en-US" sz="1200" b="1" dirty="0">
+                <a:effectLst/>
+              </a:rPr>
+              <a:t> </a:t>
+            </a:r>
+            <a:r>
+              <a:rPr lang="en-US" sz="1200" b="1" dirty="0" err="1">
+                <a:effectLst/>
+              </a:rPr>
               <a:t>yerine</a:t>
             </a:r>
             <a:r>
-              <a:rPr lang="en-US" sz="1600" dirty="0"/>
-              <a:t> </a:t>
-            </a:r>
-            <a:r>
-              <a:rPr lang="en-US" sz="1600" dirty="0" err="1"/>
+              <a:rPr lang="en-US" sz="1200" b="1" dirty="0">
+                <a:effectLst/>
+              </a:rPr>
+              <a:t> </a:t>
+            </a:r>
+            <a:r>
+              <a:rPr lang="en-US" sz="1200" b="1" dirty="0" err="1">
+                <a:effectLst/>
+              </a:rPr>
               <a:t>getirebiliriz</a:t>
             </a:r>
             <a:r>
-              <a:rPr lang="en-US" sz="1600" dirty="0"/>
+              <a:rPr lang="en-US" sz="1200" b="1" dirty="0">
+                <a:effectLst/>
+              </a:rPr>
               <a:t>. Bu </a:t>
             </a:r>
             <a:r>
-              <a:rPr lang="en-US" sz="1600" dirty="0" err="1"/>
+              <a:rPr lang="en-US" sz="1200" b="1" dirty="0" err="1">
+                <a:effectLst/>
+              </a:rPr>
               <a:t>katmanlar</a:t>
             </a:r>
             <a:r>
-              <a:rPr lang="en-US" sz="1600" dirty="0"/>
+              <a:rPr lang="en-US" sz="1200" b="1" dirty="0">
+                <a:effectLst/>
+              </a:rPr>
               <a:t>:</a:t>
             </a:r>
           </a:p>
           <a:p>
             <a:pPr lvl="1"/>
             <a:r>
-              <a:rPr lang="en-US" sz="1600" b="1" dirty="0"/>
+              <a:rPr lang="en-US" sz="1200" b="1" dirty="0">
+                <a:effectLst/>
+              </a:rPr>
               <a:t>Web </a:t>
             </a:r>
             <a:r>
-              <a:rPr lang="en-US" sz="1600" b="1" dirty="0" err="1"/>
+              <a:rPr lang="en-US" sz="1200" b="1" dirty="0" err="1">
+                <a:effectLst/>
+              </a:rPr>
               <a:t>Katmanı</a:t>
             </a:r>
             <a:r>
-              <a:rPr lang="en-US" sz="1600" b="1" dirty="0"/>
+              <a:rPr lang="en-US" sz="1200" b="1" dirty="0">
+                <a:effectLst/>
+              </a:rPr>
+              <a:t>: Web </a:t>
+            </a:r>
+            <a:r>
+              <a:rPr lang="en-US" sz="1200" b="1" dirty="0" err="1">
+                <a:effectLst/>
+              </a:rPr>
+              <a:t>katmanı</a:t>
+            </a:r>
+            <a:r>
+              <a:rPr lang="en-US" sz="1200" b="1" dirty="0">
+                <a:effectLst/>
+              </a:rPr>
+              <a:t>, </a:t>
+            </a:r>
+            <a:r>
+              <a:rPr lang="en-US" sz="1200" b="1" dirty="0" err="1">
+                <a:effectLst/>
+              </a:rPr>
+              <a:t>bir</a:t>
+            </a:r>
+            <a:r>
+              <a:rPr lang="en-US" sz="1200" b="1" dirty="0">
+                <a:effectLst/>
+              </a:rPr>
+              <a:t> web </a:t>
+            </a:r>
+            <a:r>
+              <a:rPr lang="en-US" sz="1200" b="1" dirty="0" err="1">
+                <a:effectLst/>
+              </a:rPr>
+              <a:t>uygulamasının</a:t>
+            </a:r>
+            <a:r>
+              <a:rPr lang="en-US" sz="1200" b="1" dirty="0">
+                <a:effectLst/>
+              </a:rPr>
+              <a:t> </a:t>
+            </a:r>
+            <a:r>
+              <a:rPr lang="en-US" sz="1200" b="1" dirty="0" err="1">
+                <a:effectLst/>
+              </a:rPr>
+              <a:t>en</a:t>
+            </a:r>
+            <a:r>
+              <a:rPr lang="en-US" sz="1200" b="1" dirty="0">
+                <a:effectLst/>
+              </a:rPr>
+              <a:t> </a:t>
+            </a:r>
+            <a:r>
+              <a:rPr lang="en-US" sz="1200" b="1" dirty="0" err="1">
+                <a:effectLst/>
+              </a:rPr>
+              <a:t>üst</a:t>
+            </a:r>
+            <a:r>
+              <a:rPr lang="en-US" sz="1200" b="1" dirty="0">
+                <a:effectLst/>
+              </a:rPr>
+              <a:t> </a:t>
+            </a:r>
+            <a:r>
+              <a:rPr lang="en-US" sz="1200" b="1" dirty="0" err="1">
+                <a:effectLst/>
+              </a:rPr>
+              <a:t>katmanıdır</a:t>
+            </a:r>
+            <a:r>
+              <a:rPr lang="en-US" sz="1200" b="1" dirty="0">
+                <a:effectLst/>
+              </a:rPr>
+              <a:t>. </a:t>
+            </a:r>
+            <a:r>
+              <a:rPr lang="en-US" sz="1200" b="1" dirty="0" err="1">
+                <a:effectLst/>
+              </a:rPr>
+              <a:t>Kullanıcının</a:t>
+            </a:r>
+            <a:r>
+              <a:rPr lang="en-US" sz="1200" b="1" dirty="0">
+                <a:effectLst/>
+              </a:rPr>
+              <a:t> </a:t>
+            </a:r>
+            <a:r>
+              <a:rPr lang="en-US" sz="1200" b="1" dirty="0" err="1">
+                <a:effectLst/>
+              </a:rPr>
+              <a:t>girdisini</a:t>
+            </a:r>
+            <a:r>
+              <a:rPr lang="en-US" sz="1200" b="1" dirty="0">
+                <a:effectLst/>
+              </a:rPr>
+              <a:t> </a:t>
+            </a:r>
+            <a:r>
+              <a:rPr lang="en-US" sz="1200" b="1" dirty="0" err="1">
+                <a:effectLst/>
+              </a:rPr>
+              <a:t>işlemekten</a:t>
+            </a:r>
+            <a:r>
+              <a:rPr lang="en-US" sz="1200" b="1" dirty="0">
+                <a:effectLst/>
+              </a:rPr>
+              <a:t> </a:t>
+            </a:r>
+            <a:r>
+              <a:rPr lang="en-US" sz="1200" b="1" dirty="0" err="1">
+                <a:effectLst/>
+              </a:rPr>
+              <a:t>ve</a:t>
+            </a:r>
+            <a:r>
+              <a:rPr lang="en-US" sz="1200" b="1" dirty="0">
+                <a:effectLst/>
+              </a:rPr>
+              <a:t> </a:t>
+            </a:r>
+            <a:r>
+              <a:rPr lang="en-US" sz="1200" b="1" dirty="0" err="1">
+                <a:effectLst/>
+              </a:rPr>
+              <a:t>doğru</a:t>
+            </a:r>
+            <a:r>
+              <a:rPr lang="en-US" sz="1200" b="1" dirty="0">
+                <a:effectLst/>
+              </a:rPr>
+              <a:t> </a:t>
+            </a:r>
+            <a:r>
+              <a:rPr lang="en-US" sz="1200" b="1" dirty="0" err="1">
+                <a:effectLst/>
+              </a:rPr>
+              <a:t>yanıtı</a:t>
+            </a:r>
+            <a:r>
+              <a:rPr lang="en-US" sz="1200" b="1" dirty="0">
+                <a:effectLst/>
+              </a:rPr>
+              <a:t> </a:t>
+            </a:r>
+            <a:r>
+              <a:rPr lang="en-US" sz="1200" b="1" dirty="0" err="1">
+                <a:effectLst/>
+              </a:rPr>
+              <a:t>kullanıcıya</a:t>
+            </a:r>
+            <a:r>
+              <a:rPr lang="en-US" sz="1200" b="1" dirty="0">
+                <a:effectLst/>
+              </a:rPr>
+              <a:t> </a:t>
+            </a:r>
+            <a:r>
+              <a:rPr lang="en-US" sz="1200" b="1" dirty="0" err="1">
+                <a:effectLst/>
+              </a:rPr>
+              <a:t>geri</a:t>
+            </a:r>
+            <a:r>
+              <a:rPr lang="en-US" sz="1200" b="1" dirty="0">
+                <a:effectLst/>
+              </a:rPr>
+              <a:t> </a:t>
+            </a:r>
+            <a:r>
+              <a:rPr lang="en-US" sz="1200" b="1" dirty="0" err="1">
+                <a:effectLst/>
+              </a:rPr>
+              <a:t>döndürmekten</a:t>
+            </a:r>
+            <a:r>
+              <a:rPr lang="en-US" sz="1200" b="1" dirty="0">
+                <a:effectLst/>
+              </a:rPr>
+              <a:t> </a:t>
+            </a:r>
+            <a:r>
+              <a:rPr lang="en-US" sz="1200" b="1" dirty="0" err="1">
+                <a:effectLst/>
+              </a:rPr>
+              <a:t>sorumludur</a:t>
+            </a:r>
+            <a:r>
+              <a:rPr lang="en-US" sz="1200" b="1" dirty="0">
+                <a:effectLst/>
+              </a:rPr>
+              <a:t>. Web </a:t>
+            </a:r>
+            <a:r>
+              <a:rPr lang="en-US" sz="1200" b="1" dirty="0" err="1">
+                <a:effectLst/>
+              </a:rPr>
+              <a:t>katmanı</a:t>
+            </a:r>
+            <a:r>
+              <a:rPr lang="en-US" sz="1200" b="1" dirty="0">
+                <a:effectLst/>
+              </a:rPr>
+              <a:t>, </a:t>
+            </a:r>
+            <a:r>
+              <a:rPr lang="en-US" sz="1200" b="1" dirty="0" err="1">
+                <a:effectLst/>
+              </a:rPr>
+              <a:t>diğer</a:t>
+            </a:r>
+            <a:r>
+              <a:rPr lang="en-US" sz="1200" b="1" dirty="0">
+                <a:effectLst/>
+              </a:rPr>
+              <a:t> </a:t>
+            </a:r>
+            <a:r>
+              <a:rPr lang="en-US" sz="1200" b="1" dirty="0" err="1">
+                <a:effectLst/>
+              </a:rPr>
+              <a:t>katmanlar</a:t>
+            </a:r>
+            <a:r>
+              <a:rPr lang="en-US" sz="1200" b="1" dirty="0">
+                <a:effectLst/>
+              </a:rPr>
+              <a:t> </a:t>
+            </a:r>
+            <a:r>
+              <a:rPr lang="en-US" sz="1200" b="1" dirty="0" err="1">
+                <a:effectLst/>
+              </a:rPr>
+              <a:t>tarafından</a:t>
+            </a:r>
+            <a:r>
+              <a:rPr lang="en-US" sz="1200" b="1" dirty="0">
+                <a:effectLst/>
+              </a:rPr>
+              <a:t> </a:t>
+            </a:r>
+            <a:r>
+              <a:rPr lang="en-US" sz="1200" b="1" dirty="0" err="1">
+                <a:effectLst/>
+              </a:rPr>
+              <a:t>oluşturulan</a:t>
+            </a:r>
+            <a:r>
+              <a:rPr lang="en-US" sz="1200" b="1" dirty="0">
+                <a:effectLst/>
+              </a:rPr>
+              <a:t> </a:t>
+            </a:r>
+            <a:r>
+              <a:rPr lang="en-US" sz="1200" b="1" dirty="0" err="1">
+                <a:effectLst/>
+              </a:rPr>
+              <a:t>istisnaları</a:t>
+            </a:r>
+            <a:r>
+              <a:rPr lang="en-US" sz="1200" b="1" dirty="0">
+                <a:effectLst/>
+              </a:rPr>
+              <a:t> da </a:t>
+            </a:r>
+            <a:r>
+              <a:rPr lang="en-US" sz="1200" b="1" dirty="0" err="1">
+                <a:effectLst/>
+              </a:rPr>
+              <a:t>ele</a:t>
+            </a:r>
+            <a:r>
+              <a:rPr lang="en-US" sz="1200" b="1" dirty="0">
+                <a:effectLst/>
+              </a:rPr>
+              <a:t> </a:t>
+            </a:r>
+            <a:r>
+              <a:rPr lang="en-US" sz="1200" b="1" dirty="0" err="1">
+                <a:effectLst/>
+              </a:rPr>
+              <a:t>almalıdır</a:t>
+            </a:r>
+            <a:r>
+              <a:rPr lang="en-US" sz="1200" b="1" dirty="0">
+                <a:effectLst/>
+              </a:rPr>
+              <a:t>. Web </a:t>
+            </a:r>
+            <a:r>
+              <a:rPr lang="en-US" sz="1200" b="1" dirty="0" err="1">
+                <a:effectLst/>
+              </a:rPr>
+              <a:t>katmanı</a:t>
+            </a:r>
+            <a:r>
+              <a:rPr lang="en-US" sz="1200" b="1" dirty="0">
+                <a:effectLst/>
+              </a:rPr>
+              <a:t>, </a:t>
+            </a:r>
+            <a:r>
+              <a:rPr lang="en-US" sz="1200" b="1" dirty="0" err="1">
+                <a:effectLst/>
+              </a:rPr>
+              <a:t>uygulamamızın</a:t>
+            </a:r>
+            <a:r>
+              <a:rPr lang="en-US" sz="1200" b="1" dirty="0">
+                <a:effectLst/>
+              </a:rPr>
+              <a:t> </a:t>
+            </a:r>
+            <a:r>
+              <a:rPr lang="en-US" sz="1200" b="1" dirty="0" err="1">
+                <a:effectLst/>
+              </a:rPr>
+              <a:t>giriş</a:t>
+            </a:r>
+            <a:r>
+              <a:rPr lang="en-US" sz="1200" b="1" dirty="0">
+                <a:effectLst/>
+              </a:rPr>
+              <a:t> </a:t>
+            </a:r>
+            <a:r>
+              <a:rPr lang="en-US" sz="1200" b="1" dirty="0" err="1">
+                <a:effectLst/>
+              </a:rPr>
+              <a:t>noktası</a:t>
+            </a:r>
+            <a:r>
+              <a:rPr lang="en-US" sz="1200" b="1" dirty="0">
+                <a:effectLst/>
+              </a:rPr>
+              <a:t> </a:t>
+            </a:r>
+            <a:r>
+              <a:rPr lang="en-US" sz="1200" b="1" dirty="0" err="1">
+                <a:effectLst/>
+              </a:rPr>
+              <a:t>olduğundan</a:t>
+            </a:r>
+            <a:r>
+              <a:rPr lang="en-US" sz="1200" b="1" dirty="0">
+                <a:effectLst/>
+              </a:rPr>
+              <a:t>, </a:t>
+            </a:r>
+            <a:r>
+              <a:rPr lang="en-US" sz="1200" b="1" dirty="0" err="1">
+                <a:effectLst/>
+              </a:rPr>
+              <a:t>kimlik</a:t>
+            </a:r>
+            <a:r>
+              <a:rPr lang="en-US" sz="1200" b="1" dirty="0">
+                <a:effectLst/>
+              </a:rPr>
+              <a:t> </a:t>
+            </a:r>
+            <a:r>
+              <a:rPr lang="en-US" sz="1200" b="1" dirty="0" err="1">
+                <a:effectLst/>
+              </a:rPr>
+              <a:t>doğrulamaya</a:t>
+            </a:r>
+            <a:r>
+              <a:rPr lang="en-US" sz="1200" b="1" dirty="0">
+                <a:effectLst/>
+              </a:rPr>
+              <a:t> </a:t>
+            </a:r>
+            <a:r>
+              <a:rPr lang="en-US" sz="1200" b="1" dirty="0" err="1">
+                <a:effectLst/>
+              </a:rPr>
+              <a:t>özen</a:t>
+            </a:r>
+            <a:r>
+              <a:rPr lang="en-US" sz="1200" b="1" dirty="0">
+                <a:effectLst/>
+              </a:rPr>
+              <a:t> </a:t>
+            </a:r>
+            <a:r>
+              <a:rPr lang="en-US" sz="1200" b="1" dirty="0" err="1">
+                <a:effectLst/>
+              </a:rPr>
+              <a:t>göstermeli</a:t>
+            </a:r>
+            <a:r>
+              <a:rPr lang="en-US" sz="1200" b="1" dirty="0">
+                <a:effectLst/>
+              </a:rPr>
+              <a:t> </a:t>
+            </a:r>
+            <a:r>
+              <a:rPr lang="en-US" sz="1200" b="1" dirty="0" err="1">
+                <a:effectLst/>
+              </a:rPr>
+              <a:t>ve</a:t>
+            </a:r>
+            <a:r>
+              <a:rPr lang="en-US" sz="1200" b="1" dirty="0">
+                <a:effectLst/>
+              </a:rPr>
+              <a:t> </a:t>
+            </a:r>
+            <a:r>
+              <a:rPr lang="en-US" sz="1200" b="1" dirty="0" err="1">
+                <a:effectLst/>
+              </a:rPr>
+              <a:t>yetkisiz</a:t>
+            </a:r>
+            <a:r>
+              <a:rPr lang="en-US" sz="1200" b="1" dirty="0">
+                <a:effectLst/>
+              </a:rPr>
+              <a:t> </a:t>
+            </a:r>
+            <a:r>
+              <a:rPr lang="en-US" sz="1200" b="1" dirty="0" err="1">
+                <a:effectLst/>
+              </a:rPr>
+              <a:t>kullanıcılara</a:t>
+            </a:r>
+            <a:r>
+              <a:rPr lang="en-US" sz="1200" b="1" dirty="0">
+                <a:effectLst/>
+              </a:rPr>
+              <a:t> </a:t>
+            </a:r>
+            <a:r>
+              <a:rPr lang="en-US" sz="1200" b="1" dirty="0" err="1">
+                <a:effectLst/>
+              </a:rPr>
+              <a:t>karşı</a:t>
+            </a:r>
+            <a:r>
+              <a:rPr lang="en-US" sz="1200" b="1" dirty="0">
+                <a:effectLst/>
+              </a:rPr>
+              <a:t> ilk </a:t>
+            </a:r>
+            <a:r>
+              <a:rPr lang="en-US" sz="1200" b="1" dirty="0" err="1">
+                <a:effectLst/>
+              </a:rPr>
+              <a:t>savunma</a:t>
+            </a:r>
+            <a:r>
+              <a:rPr lang="en-US" sz="1200" b="1" dirty="0">
+                <a:effectLst/>
+              </a:rPr>
+              <a:t> </a:t>
+            </a:r>
+            <a:r>
+              <a:rPr lang="en-US" sz="1200" b="1" dirty="0" err="1">
+                <a:effectLst/>
+              </a:rPr>
+              <a:t>hattı</a:t>
+            </a:r>
+            <a:r>
+              <a:rPr lang="en-US" sz="1200" b="1" dirty="0">
+                <a:effectLst/>
+              </a:rPr>
+              <a:t> </a:t>
+            </a:r>
+            <a:r>
+              <a:rPr lang="en-US" sz="1200" b="1" dirty="0" err="1">
+                <a:effectLst/>
+              </a:rPr>
+              <a:t>olarak</a:t>
+            </a:r>
+            <a:r>
+              <a:rPr lang="en-US" sz="1200" b="1" dirty="0">
+                <a:effectLst/>
+              </a:rPr>
+              <a:t> </a:t>
+            </a:r>
+            <a:r>
+              <a:rPr lang="en-US" sz="1200" b="1" dirty="0" err="1">
+                <a:effectLst/>
+              </a:rPr>
+              <a:t>hareket</a:t>
+            </a:r>
+            <a:r>
+              <a:rPr lang="en-US" sz="1200" b="1" dirty="0">
+                <a:effectLst/>
+              </a:rPr>
+              <a:t> </a:t>
+            </a:r>
+            <a:r>
+              <a:rPr lang="en-US" sz="1200" b="1" dirty="0" err="1">
+                <a:effectLst/>
+              </a:rPr>
+              <a:t>etmelidir</a:t>
+            </a:r>
+            <a:r>
+              <a:rPr lang="en-US" sz="1200" b="1" dirty="0">
+                <a:effectLst/>
+              </a:rPr>
+              <a:t>. Spring </a:t>
+            </a:r>
+            <a:r>
+              <a:rPr lang="en-US" sz="1200" b="1" dirty="0" err="1">
+                <a:effectLst/>
+              </a:rPr>
+              <a:t>uygulamalarında</a:t>
+            </a:r>
+            <a:r>
+              <a:rPr lang="en-US" sz="1200" b="1" dirty="0">
+                <a:effectLst/>
+              </a:rPr>
+              <a:t> </a:t>
+            </a:r>
+            <a:r>
+              <a:rPr lang="en-US" sz="1200" b="1" dirty="0" err="1">
+                <a:effectLst/>
+              </a:rPr>
+              <a:t>bu</a:t>
+            </a:r>
+            <a:r>
+              <a:rPr lang="en-US" sz="1200" b="1" dirty="0">
+                <a:effectLst/>
+              </a:rPr>
+              <a:t> </a:t>
+            </a:r>
+            <a:r>
+              <a:rPr lang="en-US" sz="1200" b="1" dirty="0" err="1">
+                <a:effectLst/>
+              </a:rPr>
+              <a:t>katman</a:t>
+            </a:r>
+            <a:r>
+              <a:rPr lang="en-US" sz="1200" b="1" dirty="0">
+                <a:effectLst/>
+              </a:rPr>
+              <a:t> @Controller yada @RestController </a:t>
+            </a:r>
+            <a:r>
+              <a:rPr lang="en-US" sz="1200" b="1" dirty="0" err="1">
+                <a:effectLst/>
+              </a:rPr>
+              <a:t>anotasyonu</a:t>
+            </a:r>
+            <a:r>
+              <a:rPr lang="en-US" sz="1200" b="1" dirty="0">
+                <a:effectLst/>
+              </a:rPr>
+              <a:t> </a:t>
+            </a:r>
+            <a:r>
+              <a:rPr lang="en-US" sz="1200" b="1" dirty="0" err="1">
+                <a:effectLst/>
+              </a:rPr>
+              <a:t>ile</a:t>
+            </a:r>
+            <a:r>
+              <a:rPr lang="en-US" sz="1200" b="1" dirty="0">
+                <a:effectLst/>
+              </a:rPr>
+              <a:t> </a:t>
+            </a:r>
+            <a:r>
+              <a:rPr lang="en-US" sz="1200" b="1" dirty="0" err="1">
+                <a:effectLst/>
+              </a:rPr>
+              <a:t>işaretlenir</a:t>
+            </a:r>
+            <a:r>
+              <a:rPr lang="en-US" sz="1200" b="1" dirty="0">
+                <a:effectLst/>
+              </a:rPr>
+              <a:t>.</a:t>
+            </a:r>
+          </a:p>
+          <a:p>
+            <a:pPr lvl="1"/>
+            <a:r>
+              <a:rPr lang="en-US" sz="1200" b="1" dirty="0" err="1">
+                <a:effectLst/>
+              </a:rPr>
+              <a:t>Servis</a:t>
+            </a:r>
+            <a:r>
+              <a:rPr lang="en-US" sz="1200" b="1" dirty="0">
+                <a:effectLst/>
+              </a:rPr>
+              <a:t> </a:t>
+            </a:r>
+            <a:r>
+              <a:rPr lang="en-US" sz="1200" b="1" dirty="0" err="1">
+                <a:effectLst/>
+              </a:rPr>
+              <a:t>Katmanı</a:t>
+            </a:r>
+            <a:r>
+              <a:rPr lang="en-US" sz="1200" b="1" dirty="0">
+                <a:effectLst/>
+              </a:rPr>
               <a:t>: </a:t>
             </a:r>
             <a:r>
-              <a:rPr lang="en-US" sz="1600" dirty="0"/>
-              <a:t>Web </a:t>
-            </a:r>
-            <a:r>
-              <a:rPr lang="en-US" sz="1600" dirty="0" err="1"/>
+              <a:rPr lang="en-US" sz="1200" b="1" dirty="0" err="1">
+                <a:effectLst/>
+              </a:rPr>
+              <a:t>Servis</a:t>
+            </a:r>
+            <a:r>
+              <a:rPr lang="en-US" sz="1200" b="1" dirty="0">
+                <a:effectLst/>
+              </a:rPr>
+              <a:t> </a:t>
+            </a:r>
+            <a:r>
+              <a:rPr lang="en-US" sz="1200" b="1" dirty="0" err="1">
+                <a:effectLst/>
+              </a:rPr>
               <a:t>katmanı</a:t>
             </a:r>
             <a:r>
-              <a:rPr lang="en-US" sz="1600" dirty="0"/>
-              <a:t>, </a:t>
-            </a:r>
-            <a:r>
-              <a:rPr lang="en-US" sz="1600" dirty="0" err="1"/>
-              <a:t>bir</a:t>
-            </a:r>
-            <a:r>
-              <a:rPr lang="en-US" sz="1600" dirty="0"/>
+              <a:rPr lang="en-US" sz="1200" b="1" dirty="0">
+                <a:effectLst/>
+              </a:rPr>
+              <a:t>, web </a:t>
+            </a:r>
+            <a:r>
+              <a:rPr lang="en-US" sz="1200" b="1" dirty="0" err="1">
+                <a:effectLst/>
+              </a:rPr>
+              <a:t>katmanının</a:t>
+            </a:r>
+            <a:r>
+              <a:rPr lang="en-US" sz="1200" b="1" dirty="0">
+                <a:effectLst/>
+              </a:rPr>
+              <a:t> </a:t>
+            </a:r>
+            <a:r>
+              <a:rPr lang="en-US" sz="1200" b="1" dirty="0" err="1">
+                <a:effectLst/>
+              </a:rPr>
+              <a:t>altında</a:t>
+            </a:r>
+            <a:r>
+              <a:rPr lang="en-US" sz="1200" b="1" dirty="0">
+                <a:effectLst/>
+              </a:rPr>
+              <a:t> </a:t>
+            </a:r>
+            <a:r>
+              <a:rPr lang="en-US" sz="1200" b="1" dirty="0" err="1">
+                <a:effectLst/>
+              </a:rPr>
+              <a:t>bulunur</a:t>
+            </a:r>
+            <a:r>
+              <a:rPr lang="en-US" sz="1200" b="1" dirty="0">
+                <a:effectLst/>
+              </a:rPr>
+              <a:t>. Web </a:t>
+            </a:r>
+            <a:r>
+              <a:rPr lang="en-US" sz="1200" b="1" dirty="0" err="1">
+                <a:effectLst/>
+              </a:rPr>
+              <a:t>katmanından</a:t>
+            </a:r>
+            <a:r>
+              <a:rPr lang="en-US" sz="1200" b="1" dirty="0">
+                <a:effectLst/>
+              </a:rPr>
+              <a:t> </a:t>
+            </a:r>
+            <a:r>
+              <a:rPr lang="en-US" sz="1200" b="1" dirty="0" err="1">
+                <a:effectLst/>
+              </a:rPr>
+              <a:t>almış</a:t>
+            </a:r>
+            <a:r>
+              <a:rPr lang="en-US" sz="1200" b="1" dirty="0">
+                <a:effectLst/>
+              </a:rPr>
+              <a:t> </a:t>
+            </a:r>
+            <a:r>
+              <a:rPr lang="en-US" sz="1200" b="1" dirty="0" err="1">
+                <a:effectLst/>
+              </a:rPr>
+              <a:t>olduğu</a:t>
+            </a:r>
+            <a:r>
+              <a:rPr lang="en-US" sz="1200" b="1" dirty="0">
+                <a:effectLst/>
+              </a:rPr>
+              <a:t> </a:t>
+            </a:r>
+            <a:r>
+              <a:rPr lang="en-US" sz="1200" b="1" dirty="0" err="1">
+                <a:effectLst/>
+              </a:rPr>
+              <a:t>işleri</a:t>
+            </a:r>
+            <a:r>
+              <a:rPr lang="en-US" sz="1200" b="1" dirty="0">
+                <a:effectLst/>
+              </a:rPr>
+              <a:t> </a:t>
+            </a:r>
+            <a:r>
+              <a:rPr lang="en-US" sz="1200" b="1" dirty="0" err="1">
+                <a:effectLst/>
+              </a:rPr>
+              <a:t>yerine</a:t>
+            </a:r>
+            <a:r>
+              <a:rPr lang="en-US" sz="1200" b="1" dirty="0">
+                <a:effectLst/>
+              </a:rPr>
+              <a:t> </a:t>
+            </a:r>
+            <a:r>
+              <a:rPr lang="en-US" sz="1200" b="1" dirty="0" err="1">
+                <a:effectLst/>
+              </a:rPr>
+              <a:t>getirir</a:t>
+            </a:r>
+            <a:r>
+              <a:rPr lang="en-US" sz="1200" b="1" dirty="0">
+                <a:effectLst/>
+              </a:rPr>
+              <a:t> </a:t>
+            </a:r>
+            <a:r>
+              <a:rPr lang="en-US" sz="1200" b="1" dirty="0" err="1">
+                <a:effectLst/>
+              </a:rPr>
+              <a:t>ve</a:t>
+            </a:r>
+            <a:r>
+              <a:rPr lang="en-US" sz="1200" b="1" dirty="0">
+                <a:effectLst/>
+              </a:rPr>
               <a:t> web </a:t>
             </a:r>
             <a:r>
-              <a:rPr lang="en-US" sz="1600" dirty="0" err="1"/>
+              <a:rPr lang="en-US" sz="1200" b="1" dirty="0" err="1">
+                <a:effectLst/>
+              </a:rPr>
+              <a:t>katmanına</a:t>
+            </a:r>
+            <a:r>
+              <a:rPr lang="en-US" sz="1200" b="1" dirty="0">
+                <a:effectLst/>
+              </a:rPr>
+              <a:t> </a:t>
+            </a:r>
+            <a:r>
+              <a:rPr lang="en-US" sz="1200" b="1" dirty="0" err="1">
+                <a:effectLst/>
+              </a:rPr>
+              <a:t>cevabı</a:t>
+            </a:r>
+            <a:r>
+              <a:rPr lang="en-US" sz="1200" b="1" dirty="0">
+                <a:effectLst/>
+              </a:rPr>
+              <a:t> </a:t>
+            </a:r>
+            <a:r>
+              <a:rPr lang="en-US" sz="1200" b="1" dirty="0" err="1">
+                <a:effectLst/>
+              </a:rPr>
+              <a:t>gönderir</a:t>
+            </a:r>
+            <a:r>
+              <a:rPr lang="en-US" sz="1200" b="1" dirty="0">
+                <a:effectLst/>
+              </a:rPr>
+              <a:t>. </a:t>
+            </a:r>
+            <a:r>
+              <a:rPr lang="en-US" sz="1200" b="1" dirty="0" err="1">
+                <a:effectLst/>
+              </a:rPr>
+              <a:t>Burada</a:t>
+            </a:r>
+            <a:r>
+              <a:rPr lang="en-US" sz="1200" b="1" dirty="0">
+                <a:effectLst/>
+              </a:rPr>
+              <a:t> business </a:t>
+            </a:r>
+            <a:r>
+              <a:rPr lang="en-US" sz="1200" b="1" dirty="0" err="1">
+                <a:effectLst/>
+              </a:rPr>
+              <a:t>logicler</a:t>
+            </a:r>
+            <a:r>
+              <a:rPr lang="en-US" sz="1200" b="1" dirty="0">
+                <a:effectLst/>
+              </a:rPr>
+              <a:t> </a:t>
+            </a:r>
+            <a:r>
+              <a:rPr lang="en-US" sz="1200" b="1" dirty="0" err="1">
+                <a:effectLst/>
+              </a:rPr>
+              <a:t>bulunmalıdır</a:t>
+            </a:r>
+            <a:r>
+              <a:rPr lang="en-US" sz="1200" b="1" dirty="0">
+                <a:effectLst/>
+              </a:rPr>
+              <a:t>. Spring </a:t>
+            </a:r>
+            <a:r>
+              <a:rPr lang="en-US" sz="1200" b="1" dirty="0" err="1">
+                <a:effectLst/>
+              </a:rPr>
+              <a:t>uygulamalarında</a:t>
+            </a:r>
+            <a:r>
+              <a:rPr lang="en-US" sz="1200" b="1" dirty="0">
+                <a:effectLst/>
+              </a:rPr>
+              <a:t> </a:t>
+            </a:r>
+            <a:r>
+              <a:rPr lang="en-US" sz="1200" b="1" dirty="0" err="1">
+                <a:effectLst/>
+              </a:rPr>
+              <a:t>bu</a:t>
+            </a:r>
+            <a:r>
+              <a:rPr lang="en-US" sz="1200" b="1" dirty="0">
+                <a:effectLst/>
+              </a:rPr>
+              <a:t> </a:t>
+            </a:r>
+            <a:r>
+              <a:rPr lang="en-US" sz="1200" b="1" dirty="0" err="1">
+                <a:effectLst/>
+              </a:rPr>
+              <a:t>katman</a:t>
+            </a:r>
+            <a:r>
+              <a:rPr lang="en-US" sz="1200" b="1" dirty="0">
+                <a:effectLst/>
+              </a:rPr>
+              <a:t> @Service </a:t>
+            </a:r>
+            <a:r>
+              <a:rPr lang="en-US" sz="1200" b="1" dirty="0" err="1">
+                <a:effectLst/>
+              </a:rPr>
+              <a:t>anotasyonu</a:t>
+            </a:r>
+            <a:r>
+              <a:rPr lang="en-US" sz="1200" b="1" dirty="0">
+                <a:effectLst/>
+              </a:rPr>
+              <a:t> </a:t>
+            </a:r>
+            <a:r>
+              <a:rPr lang="en-US" sz="1200" b="1" dirty="0" err="1">
+                <a:effectLst/>
+              </a:rPr>
+              <a:t>ile</a:t>
+            </a:r>
+            <a:r>
+              <a:rPr lang="en-US" sz="1200" b="1" dirty="0">
+                <a:effectLst/>
+              </a:rPr>
+              <a:t> </a:t>
+            </a:r>
+            <a:r>
+              <a:rPr lang="en-US" sz="1200" b="1" dirty="0" err="1">
+                <a:effectLst/>
+              </a:rPr>
+              <a:t>işaretlenir</a:t>
+            </a:r>
+            <a:r>
+              <a:rPr lang="en-US" sz="1200" b="1" dirty="0">
+                <a:effectLst/>
+              </a:rPr>
+              <a:t>.</a:t>
+            </a:r>
+          </a:p>
+          <a:p>
+            <a:pPr lvl="1"/>
+            <a:r>
+              <a:rPr lang="en-US" sz="1200" b="1" dirty="0">
+                <a:effectLst/>
+              </a:rPr>
+              <a:t>Repository </a:t>
+            </a:r>
+            <a:r>
+              <a:rPr lang="en-US" sz="1200" b="1" dirty="0" err="1">
+                <a:effectLst/>
+              </a:rPr>
+              <a:t>Katmanı</a:t>
+            </a:r>
+            <a:r>
+              <a:rPr lang="en-US" sz="1200" b="1" dirty="0">
+                <a:effectLst/>
+              </a:rPr>
+              <a:t>: Bir web </a:t>
+            </a:r>
+            <a:r>
+              <a:rPr lang="en-US" sz="1200" b="1" dirty="0" err="1">
+                <a:effectLst/>
+              </a:rPr>
               <a:t>uygulamasının</a:t>
             </a:r>
             <a:r>
-              <a:rPr lang="en-US" sz="1600" dirty="0"/>
-              <a:t> </a:t>
-            </a:r>
-            <a:r>
-              <a:rPr lang="en-US" sz="1600" dirty="0" err="1"/>
+              <a:rPr lang="en-US" sz="1200" b="1" dirty="0">
+                <a:effectLst/>
+              </a:rPr>
+              <a:t> </a:t>
+            </a:r>
+            <a:r>
+              <a:rPr lang="en-US" sz="1200" b="1" dirty="0" err="1">
+                <a:effectLst/>
+              </a:rPr>
               <a:t>en</a:t>
             </a:r>
             <a:r>
-              <a:rPr lang="en-US" sz="1600" dirty="0"/>
-              <a:t> </a:t>
-            </a:r>
-            <a:r>
-              <a:rPr lang="en-US" sz="1600" dirty="0" err="1"/>
-              <a:t>üst</a:t>
-            </a:r>
-            <a:r>
-              <a:rPr lang="en-US" sz="1600" dirty="0"/>
-              <a:t> </a:t>
-            </a:r>
-            <a:r>
-              <a:rPr lang="en-US" sz="1600" dirty="0" err="1"/>
+              <a:rPr lang="en-US" sz="1200" b="1" dirty="0">
+                <a:effectLst/>
+              </a:rPr>
+              <a:t> alt </a:t>
+            </a:r>
+            <a:r>
+              <a:rPr lang="en-US" sz="1200" b="1" dirty="0" err="1">
+                <a:effectLst/>
+              </a:rPr>
               <a:t>katmanıdır</a:t>
             </a:r>
             <a:r>
-              <a:rPr lang="en-US" sz="1600" dirty="0"/>
+              <a:rPr lang="en-US" sz="1200" b="1" dirty="0">
+                <a:effectLst/>
+              </a:rPr>
               <a:t>. </a:t>
             </a:r>
             <a:r>
-              <a:rPr lang="en-US" sz="1600" dirty="0" err="1"/>
-              <a:t>Kullanıcının</a:t>
-            </a:r>
-            <a:r>
-              <a:rPr lang="en-US" sz="1600" dirty="0"/>
-              <a:t> </a:t>
-            </a:r>
-            <a:r>
-              <a:rPr lang="en-US" sz="1600" dirty="0" err="1"/>
-              <a:t>girdisini</a:t>
-            </a:r>
-            <a:r>
-              <a:rPr lang="en-US" sz="1600" dirty="0"/>
-              <a:t> </a:t>
-            </a:r>
-            <a:r>
-              <a:rPr lang="en-US" sz="1600" dirty="0" err="1"/>
-              <a:t>işlemekten</a:t>
-            </a:r>
-            <a:r>
-              <a:rPr lang="en-US" sz="1600" dirty="0"/>
-              <a:t> </a:t>
-            </a:r>
-            <a:r>
-              <a:rPr lang="en-US" sz="1600" dirty="0" err="1"/>
-              <a:t>ve</a:t>
-            </a:r>
-            <a:r>
-              <a:rPr lang="en-US" sz="1600" dirty="0"/>
-              <a:t> </a:t>
-            </a:r>
-            <a:r>
-              <a:rPr lang="en-US" sz="1600" dirty="0" err="1"/>
-              <a:t>doğru</a:t>
-            </a:r>
-            <a:r>
-              <a:rPr lang="en-US" sz="1600" dirty="0"/>
-              <a:t> </a:t>
-            </a:r>
-            <a:r>
-              <a:rPr lang="en-US" sz="1600" dirty="0" err="1"/>
-              <a:t>yanıtı</a:t>
-            </a:r>
-            <a:r>
-              <a:rPr lang="en-US" sz="1600" dirty="0"/>
-              <a:t> </a:t>
-            </a:r>
-            <a:r>
-              <a:rPr lang="en-US" sz="1600" dirty="0" err="1"/>
-              <a:t>kullanıcıya</a:t>
-            </a:r>
-            <a:r>
-              <a:rPr lang="en-US" sz="1600" dirty="0"/>
-              <a:t> </a:t>
-            </a:r>
-            <a:r>
-              <a:rPr lang="en-US" sz="1600" dirty="0" err="1"/>
-              <a:t>geri</a:t>
-            </a:r>
-            <a:r>
-              <a:rPr lang="en-US" sz="1600" dirty="0"/>
-              <a:t> </a:t>
-            </a:r>
-            <a:r>
-              <a:rPr lang="en-US" sz="1600" dirty="0" err="1"/>
-              <a:t>döndürmekten</a:t>
-            </a:r>
-            <a:r>
-              <a:rPr lang="en-US" sz="1600" dirty="0"/>
-              <a:t> </a:t>
-            </a:r>
-            <a:r>
-              <a:rPr lang="en-US" sz="1600" dirty="0" err="1"/>
+              <a:rPr lang="en-US" sz="1200" b="1" dirty="0" err="1">
+                <a:effectLst/>
+              </a:rPr>
+              <a:t>Kullanılan</a:t>
+            </a:r>
+            <a:r>
+              <a:rPr lang="en-US" sz="1200" b="1" dirty="0">
+                <a:effectLst/>
+              </a:rPr>
+              <a:t> database </a:t>
+            </a:r>
+            <a:r>
+              <a:rPr lang="en-US" sz="1200" b="1" dirty="0" err="1">
+                <a:effectLst/>
+              </a:rPr>
+              <a:t>ile</a:t>
+            </a:r>
+            <a:r>
+              <a:rPr lang="en-US" sz="1200" b="1" dirty="0">
+                <a:effectLst/>
+              </a:rPr>
+              <a:t> </a:t>
+            </a:r>
+            <a:r>
+              <a:rPr lang="en-US" sz="1200" b="1" dirty="0" err="1">
+                <a:effectLst/>
+              </a:rPr>
+              <a:t>iletişim</a:t>
+            </a:r>
+            <a:r>
+              <a:rPr lang="en-US" sz="1200" b="1" dirty="0">
+                <a:effectLst/>
+              </a:rPr>
+              <a:t> </a:t>
+            </a:r>
+            <a:r>
+              <a:rPr lang="en-US" sz="1200" b="1" dirty="0" err="1">
+                <a:effectLst/>
+              </a:rPr>
+              <a:t>kurmaktan</a:t>
+            </a:r>
+            <a:r>
+              <a:rPr lang="en-US" sz="1200" b="1" dirty="0">
+                <a:effectLst/>
+              </a:rPr>
+              <a:t> </a:t>
+            </a:r>
+            <a:r>
+              <a:rPr lang="en-US" sz="1200" b="1" dirty="0" err="1">
+                <a:effectLst/>
+              </a:rPr>
               <a:t>sorumludur</a:t>
             </a:r>
             <a:r>
-              <a:rPr lang="en-US" sz="1600" dirty="0"/>
-              <a:t>. Web </a:t>
-            </a:r>
-            <a:r>
-              <a:rPr lang="en-US" sz="1600" dirty="0" err="1"/>
-              <a:t>katmanı</a:t>
-            </a:r>
-            <a:r>
-              <a:rPr lang="en-US" sz="1600" dirty="0"/>
-              <a:t>, </a:t>
-            </a:r>
-            <a:r>
-              <a:rPr lang="en-US" sz="1600" dirty="0" err="1"/>
-              <a:t>diğer</a:t>
-            </a:r>
-            <a:r>
-              <a:rPr lang="en-US" sz="1600" dirty="0"/>
-              <a:t> </a:t>
-            </a:r>
-            <a:r>
-              <a:rPr lang="en-US" sz="1600" dirty="0" err="1"/>
-              <a:t>katmanlar</a:t>
-            </a:r>
-            <a:r>
-              <a:rPr lang="en-US" sz="1600" dirty="0"/>
-              <a:t> </a:t>
-            </a:r>
-            <a:r>
-              <a:rPr lang="en-US" sz="1600" dirty="0" err="1"/>
-              <a:t>tarafından</a:t>
-            </a:r>
-            <a:r>
-              <a:rPr lang="en-US" sz="1600" dirty="0"/>
-              <a:t> </a:t>
-            </a:r>
-            <a:r>
-              <a:rPr lang="en-US" sz="1600" dirty="0" err="1"/>
-              <a:t>oluşturulan</a:t>
-            </a:r>
-            <a:r>
-              <a:rPr lang="en-US" sz="1600" dirty="0"/>
-              <a:t> </a:t>
-            </a:r>
-            <a:r>
-              <a:rPr lang="en-US" sz="1600" dirty="0" err="1"/>
-              <a:t>istisnaları</a:t>
-            </a:r>
-            <a:r>
-              <a:rPr lang="en-US" sz="1600" dirty="0"/>
-              <a:t> da </a:t>
-            </a:r>
-            <a:r>
-              <a:rPr lang="en-US" sz="1600" dirty="0" err="1"/>
-              <a:t>ele</a:t>
-            </a:r>
-            <a:r>
-              <a:rPr lang="en-US" sz="1600" dirty="0"/>
-              <a:t> </a:t>
-            </a:r>
-            <a:r>
-              <a:rPr lang="en-US" sz="1600" dirty="0" err="1"/>
-              <a:t>almalıdır</a:t>
-            </a:r>
-            <a:r>
-              <a:rPr lang="en-US" sz="1600" dirty="0"/>
-              <a:t>. Web </a:t>
-            </a:r>
-            <a:r>
-              <a:rPr lang="en-US" sz="1600" dirty="0" err="1"/>
-              <a:t>katmanı</a:t>
-            </a:r>
-            <a:r>
-              <a:rPr lang="en-US" sz="1600" dirty="0"/>
-              <a:t>, </a:t>
-            </a:r>
-            <a:r>
-              <a:rPr lang="en-US" sz="1600" dirty="0" err="1"/>
-              <a:t>uygulamamızın</a:t>
-            </a:r>
-            <a:r>
-              <a:rPr lang="en-US" sz="1600" dirty="0"/>
-              <a:t> </a:t>
-            </a:r>
-            <a:r>
-              <a:rPr lang="en-US" sz="1600" dirty="0" err="1"/>
-              <a:t>giriş</a:t>
-            </a:r>
-            <a:r>
-              <a:rPr lang="en-US" sz="1600" dirty="0"/>
-              <a:t> </a:t>
-            </a:r>
-            <a:r>
-              <a:rPr lang="en-US" sz="1600" dirty="0" err="1"/>
-              <a:t>noktası</a:t>
-            </a:r>
-            <a:r>
-              <a:rPr lang="en-US" sz="1600" dirty="0"/>
-              <a:t> </a:t>
-            </a:r>
-            <a:r>
-              <a:rPr lang="en-US" sz="1600" dirty="0" err="1"/>
-              <a:t>olduğundan</a:t>
-            </a:r>
-            <a:r>
-              <a:rPr lang="en-US" sz="1600" dirty="0"/>
-              <a:t>, </a:t>
-            </a:r>
-            <a:r>
-              <a:rPr lang="en-US" sz="1600" dirty="0" err="1"/>
-              <a:t>kimlik</a:t>
-            </a:r>
-            <a:r>
-              <a:rPr lang="en-US" sz="1600" dirty="0"/>
-              <a:t> </a:t>
-            </a:r>
-            <a:r>
-              <a:rPr lang="en-US" sz="1600" dirty="0" err="1"/>
-              <a:t>doğrulamaya</a:t>
-            </a:r>
-            <a:r>
-              <a:rPr lang="en-US" sz="1600" dirty="0"/>
-              <a:t> </a:t>
-            </a:r>
-            <a:r>
-              <a:rPr lang="en-US" sz="1600" dirty="0" err="1"/>
-              <a:t>özen</a:t>
-            </a:r>
-            <a:r>
-              <a:rPr lang="en-US" sz="1600" dirty="0"/>
-              <a:t> </a:t>
-            </a:r>
-            <a:r>
-              <a:rPr lang="en-US" sz="1600" dirty="0" err="1"/>
-              <a:t>göstermeli</a:t>
-            </a:r>
-            <a:r>
-              <a:rPr lang="en-US" sz="1600" dirty="0"/>
-              <a:t> </a:t>
-            </a:r>
-            <a:r>
-              <a:rPr lang="en-US" sz="1600" dirty="0" err="1"/>
-              <a:t>ve</a:t>
-            </a:r>
-            <a:r>
-              <a:rPr lang="en-US" sz="1600" dirty="0"/>
-              <a:t> </a:t>
-            </a:r>
-            <a:r>
-              <a:rPr lang="en-US" sz="1600" dirty="0" err="1"/>
-              <a:t>yetkisiz</a:t>
-            </a:r>
-            <a:r>
-              <a:rPr lang="en-US" sz="1600" dirty="0"/>
-              <a:t> </a:t>
-            </a:r>
-            <a:r>
-              <a:rPr lang="en-US" sz="1600" dirty="0" err="1"/>
-              <a:t>kullanıcılara</a:t>
-            </a:r>
-            <a:r>
-              <a:rPr lang="en-US" sz="1600" dirty="0"/>
-              <a:t> </a:t>
-            </a:r>
-            <a:r>
-              <a:rPr lang="en-US" sz="1600" dirty="0" err="1"/>
-              <a:t>karşı</a:t>
-            </a:r>
-            <a:r>
-              <a:rPr lang="en-US" sz="1600" dirty="0"/>
-              <a:t> ilk </a:t>
-            </a:r>
-            <a:r>
-              <a:rPr lang="en-US" sz="1600" dirty="0" err="1"/>
-              <a:t>savunma</a:t>
-            </a:r>
-            <a:r>
-              <a:rPr lang="en-US" sz="1600" dirty="0"/>
-              <a:t> </a:t>
-            </a:r>
-            <a:r>
-              <a:rPr lang="en-US" sz="1600" dirty="0" err="1"/>
-              <a:t>hattı</a:t>
-            </a:r>
-            <a:r>
-              <a:rPr lang="en-US" sz="1600" dirty="0"/>
-              <a:t> </a:t>
-            </a:r>
-            <a:r>
-              <a:rPr lang="en-US" sz="1600" dirty="0" err="1"/>
-              <a:t>olarak</a:t>
-            </a:r>
-            <a:r>
-              <a:rPr lang="en-US" sz="1600" dirty="0"/>
-              <a:t> </a:t>
-            </a:r>
-            <a:r>
-              <a:rPr lang="en-US" sz="1600" dirty="0" err="1"/>
-              <a:t>hareket</a:t>
-            </a:r>
-            <a:r>
-              <a:rPr lang="en-US" sz="1600" dirty="0"/>
-              <a:t> </a:t>
-            </a:r>
-            <a:r>
-              <a:rPr lang="en-US" sz="1600" dirty="0" err="1"/>
-              <a:t>etmelidir</a:t>
-            </a:r>
-            <a:r>
-              <a:rPr lang="en-US" sz="1600" dirty="0"/>
+              <a:rPr lang="en-US" sz="1200" b="1" dirty="0">
+                <a:effectLst/>
+              </a:rPr>
               <a:t>. Spring </a:t>
             </a:r>
             <a:r>
-              <a:rPr lang="en-US" sz="1600" dirty="0" err="1"/>
+              <a:rPr lang="en-US" sz="1200" b="1" dirty="0" err="1">
+                <a:effectLst/>
+              </a:rPr>
               <a:t>uygulamalarında</a:t>
             </a:r>
             <a:r>
-              <a:rPr lang="en-US" sz="1600" dirty="0"/>
-              <a:t> </a:t>
-            </a:r>
-            <a:r>
-              <a:rPr lang="en-US" sz="1600" dirty="0" err="1"/>
+              <a:rPr lang="en-US" sz="1200" b="1" dirty="0">
+                <a:effectLst/>
+              </a:rPr>
+              <a:t> </a:t>
+            </a:r>
+            <a:r>
+              <a:rPr lang="en-US" sz="1200" b="1" dirty="0" err="1">
+                <a:effectLst/>
+              </a:rPr>
               <a:t>bu</a:t>
             </a:r>
             <a:r>
-              <a:rPr lang="en-US" sz="1600" dirty="0"/>
-              <a:t> </a:t>
-            </a:r>
-            <a:r>
-              <a:rPr lang="en-US" sz="1600" dirty="0" err="1"/>
+              <a:rPr lang="en-US" sz="1200" b="1" dirty="0">
+                <a:effectLst/>
+              </a:rPr>
+              <a:t> </a:t>
+            </a:r>
+            <a:r>
+              <a:rPr lang="en-US" sz="1200" b="1" dirty="0" err="1">
+                <a:effectLst/>
+              </a:rPr>
               <a:t>katman</a:t>
             </a:r>
             <a:r>
-              <a:rPr lang="en-US" sz="1600" dirty="0"/>
-              <a:t> </a:t>
-            </a:r>
-            <a:r>
-              <a:rPr lang="en-US" sz="1600" dirty="0">
-                <a:solidFill>
-                  <a:schemeClr val="accent5"/>
-                </a:solidFill>
-              </a:rPr>
-              <a:t>@Controller </a:t>
-            </a:r>
-            <a:r>
-              <a:rPr lang="en-US" sz="1600" dirty="0"/>
-              <a:t>yada </a:t>
-            </a:r>
-            <a:r>
-              <a:rPr lang="en-US" sz="1600" dirty="0">
-                <a:solidFill>
-                  <a:schemeClr val="accent5"/>
-                </a:solidFill>
-              </a:rPr>
-              <a:t>@RestController </a:t>
-            </a:r>
-            <a:r>
-              <a:rPr lang="en-US" sz="1600" dirty="0" err="1"/>
+              <a:rPr lang="en-US" sz="1200" b="1" dirty="0">
+                <a:effectLst/>
+              </a:rPr>
+              <a:t> @Repository </a:t>
+            </a:r>
+            <a:r>
+              <a:rPr lang="en-US" sz="1200" b="1" dirty="0" err="1">
+                <a:effectLst/>
+              </a:rPr>
               <a:t>anotasyonu</a:t>
             </a:r>
             <a:r>
-              <a:rPr lang="en-US" sz="1600" dirty="0"/>
-              <a:t> </a:t>
-            </a:r>
-            <a:r>
-              <a:rPr lang="en-US" sz="1600" dirty="0" err="1"/>
+              <a:rPr lang="en-US" sz="1200" b="1" dirty="0">
+                <a:effectLst/>
+              </a:rPr>
+              <a:t> </a:t>
+            </a:r>
+            <a:r>
+              <a:rPr lang="en-US" sz="1200" b="1" dirty="0" err="1">
+                <a:effectLst/>
+              </a:rPr>
               <a:t>ile</a:t>
             </a:r>
             <a:r>
-              <a:rPr lang="en-US" sz="1600" dirty="0"/>
-              <a:t> </a:t>
-            </a:r>
-            <a:r>
-              <a:rPr lang="en-US" sz="1600" dirty="0" err="1"/>
+              <a:rPr lang="en-US" sz="1200" b="1" dirty="0">
+                <a:effectLst/>
+              </a:rPr>
+              <a:t> </a:t>
+            </a:r>
+            <a:r>
+              <a:rPr lang="en-US" sz="1200" b="1" dirty="0" err="1">
+                <a:effectLst/>
+              </a:rPr>
               <a:t>işaretlenir</a:t>
             </a:r>
             <a:r>
-              <a:rPr lang="en-US" sz="1600" dirty="0"/>
-              <a:t>.</a:t>
-            </a:r>
-          </a:p>
-          <a:p>
-            <a:pPr lvl="1"/>
-            <a:r>
-              <a:rPr lang="en-US" sz="1600" b="1" dirty="0" err="1"/>
-              <a:t>Servis</a:t>
-            </a:r>
-            <a:r>
-              <a:rPr lang="en-US" sz="1600" b="1" dirty="0"/>
-              <a:t> </a:t>
-            </a:r>
-            <a:r>
-              <a:rPr lang="en-US" sz="1600" b="1" dirty="0" err="1"/>
-              <a:t>Katmanı</a:t>
-            </a:r>
-            <a:r>
-              <a:rPr lang="en-US" sz="1600" b="1" dirty="0"/>
-              <a:t>: </a:t>
-            </a:r>
-            <a:r>
-              <a:rPr lang="en-US" sz="1600" dirty="0" err="1"/>
-              <a:t>Servis</a:t>
-            </a:r>
-            <a:r>
-              <a:rPr lang="en-US" sz="1600" dirty="0"/>
-              <a:t> </a:t>
-            </a:r>
-            <a:r>
-              <a:rPr lang="en-US" sz="1600" dirty="0" err="1"/>
-              <a:t>katmanı</a:t>
-            </a:r>
-            <a:r>
-              <a:rPr lang="en-US" sz="1600" dirty="0"/>
-              <a:t>, web </a:t>
-            </a:r>
-            <a:r>
-              <a:rPr lang="en-US" sz="1600" dirty="0" err="1"/>
-              <a:t>katmanının</a:t>
-            </a:r>
-            <a:r>
-              <a:rPr lang="en-US" sz="1600" dirty="0"/>
-              <a:t> </a:t>
-            </a:r>
-            <a:r>
-              <a:rPr lang="en-US" sz="1600" dirty="0" err="1"/>
-              <a:t>altında</a:t>
-            </a:r>
-            <a:r>
-              <a:rPr lang="en-US" sz="1600" dirty="0"/>
-              <a:t> </a:t>
-            </a:r>
-            <a:r>
-              <a:rPr lang="en-US" sz="1600" dirty="0" err="1"/>
-              <a:t>bulunur</a:t>
-            </a:r>
-            <a:r>
-              <a:rPr lang="en-US" sz="1600" dirty="0"/>
-              <a:t>. Web </a:t>
-            </a:r>
-            <a:r>
-              <a:rPr lang="en-US" sz="1600" dirty="0" err="1"/>
-              <a:t>katmanından</a:t>
-            </a:r>
-            <a:r>
-              <a:rPr lang="en-US" sz="1600" dirty="0"/>
-              <a:t> </a:t>
-            </a:r>
-            <a:r>
-              <a:rPr lang="en-US" sz="1600" dirty="0" err="1"/>
-              <a:t>almış</a:t>
-            </a:r>
-            <a:r>
-              <a:rPr lang="en-US" sz="1600" dirty="0"/>
-              <a:t> </a:t>
-            </a:r>
-            <a:r>
-              <a:rPr lang="en-US" sz="1600" dirty="0" err="1"/>
-              <a:t>olduğu</a:t>
-            </a:r>
-            <a:r>
-              <a:rPr lang="en-US" sz="1600" dirty="0"/>
-              <a:t> </a:t>
-            </a:r>
-            <a:r>
-              <a:rPr lang="en-US" sz="1600" dirty="0" err="1"/>
-              <a:t>işleri</a:t>
-            </a:r>
-            <a:r>
-              <a:rPr lang="en-US" sz="1600" dirty="0"/>
-              <a:t> </a:t>
-            </a:r>
-            <a:r>
-              <a:rPr lang="en-US" sz="1600" dirty="0" err="1"/>
-              <a:t>yerine</a:t>
-            </a:r>
-            <a:r>
-              <a:rPr lang="en-US" sz="1600" dirty="0"/>
-              <a:t> </a:t>
-            </a:r>
-            <a:r>
-              <a:rPr lang="en-US" sz="1600" dirty="0" err="1"/>
-              <a:t>getirir</a:t>
-            </a:r>
-            <a:r>
-              <a:rPr lang="en-US" sz="1600" dirty="0"/>
-              <a:t> </a:t>
-            </a:r>
-            <a:r>
-              <a:rPr lang="en-US" sz="1600" dirty="0" err="1"/>
-              <a:t>ve</a:t>
-            </a:r>
-            <a:r>
-              <a:rPr lang="en-US" sz="1600" dirty="0"/>
-              <a:t> web </a:t>
-            </a:r>
-            <a:r>
-              <a:rPr lang="en-US" sz="1600" dirty="0" err="1"/>
-              <a:t>katmanına</a:t>
-            </a:r>
-            <a:r>
-              <a:rPr lang="en-US" sz="1600" dirty="0"/>
-              <a:t> </a:t>
-            </a:r>
-            <a:r>
-              <a:rPr lang="en-US" sz="1600" dirty="0" err="1"/>
-              <a:t>cevabı</a:t>
-            </a:r>
-            <a:r>
-              <a:rPr lang="en-US" sz="1600" dirty="0"/>
-              <a:t> </a:t>
-            </a:r>
-            <a:r>
-              <a:rPr lang="en-US" sz="1600" dirty="0" err="1"/>
-              <a:t>gönderir</a:t>
-            </a:r>
-            <a:r>
-              <a:rPr lang="en-US" sz="1600" dirty="0"/>
-              <a:t>. </a:t>
-            </a:r>
-            <a:r>
-              <a:rPr lang="en-US" sz="1600" dirty="0" err="1"/>
-              <a:t>Burada</a:t>
-            </a:r>
-            <a:r>
-              <a:rPr lang="en-US" sz="1600" dirty="0"/>
-              <a:t> business </a:t>
-            </a:r>
-            <a:r>
-              <a:rPr lang="en-US" sz="1600" dirty="0" err="1"/>
-              <a:t>logicler</a:t>
-            </a:r>
-            <a:r>
-              <a:rPr lang="en-US" sz="1600" dirty="0"/>
-              <a:t> </a:t>
-            </a:r>
-            <a:r>
-              <a:rPr lang="en-US" sz="1600" dirty="0" err="1"/>
-              <a:t>bulunmalıdır</a:t>
-            </a:r>
-            <a:r>
-              <a:rPr lang="en-US" sz="1600" dirty="0"/>
-              <a:t>. Spring </a:t>
-            </a:r>
-            <a:r>
-              <a:rPr lang="en-US" sz="1600" dirty="0" err="1"/>
-              <a:t>uygulamalarında</a:t>
-            </a:r>
-            <a:r>
-              <a:rPr lang="en-US" sz="1600" dirty="0"/>
-              <a:t> </a:t>
-            </a:r>
-            <a:r>
-              <a:rPr lang="en-US" sz="1600" dirty="0" err="1"/>
-              <a:t>bu</a:t>
-            </a:r>
-            <a:r>
-              <a:rPr lang="en-US" sz="1600" dirty="0"/>
-              <a:t> </a:t>
-            </a:r>
-            <a:r>
-              <a:rPr lang="en-US" sz="1600" dirty="0" err="1"/>
-              <a:t>katman</a:t>
-            </a:r>
-            <a:r>
-              <a:rPr lang="en-US" sz="1600" dirty="0"/>
-              <a:t> </a:t>
-            </a:r>
-            <a:r>
-              <a:rPr lang="en-US" sz="1600" dirty="0">
-                <a:solidFill>
-                  <a:schemeClr val="accent5"/>
-                </a:solidFill>
-              </a:rPr>
-              <a:t>@Service </a:t>
-            </a:r>
-            <a:r>
-              <a:rPr lang="en-US" sz="1600" dirty="0" err="1"/>
-              <a:t>anotasyonu</a:t>
-            </a:r>
-            <a:r>
-              <a:rPr lang="en-US" sz="1600" dirty="0"/>
-              <a:t> </a:t>
-            </a:r>
-            <a:r>
-              <a:rPr lang="en-US" sz="1600" dirty="0" err="1"/>
-              <a:t>ile</a:t>
-            </a:r>
-            <a:r>
-              <a:rPr lang="en-US" sz="1600" dirty="0"/>
-              <a:t> </a:t>
-            </a:r>
-            <a:r>
-              <a:rPr lang="en-US" sz="1600" dirty="0" err="1"/>
-              <a:t>işaretlenir</a:t>
-            </a:r>
-            <a:r>
-              <a:rPr lang="en-US" sz="1600" dirty="0"/>
-              <a:t>.</a:t>
-            </a:r>
-          </a:p>
-          <a:p>
-            <a:pPr lvl="1"/>
-            <a:r>
-              <a:rPr lang="en-US" sz="1600" b="1" dirty="0"/>
-              <a:t>Repository </a:t>
-            </a:r>
-            <a:r>
-              <a:rPr lang="en-US" sz="1600" b="1" dirty="0" err="1"/>
-              <a:t>Katmanı</a:t>
-            </a:r>
-            <a:r>
-              <a:rPr lang="en-US" sz="1600" b="1" dirty="0"/>
-              <a:t>: </a:t>
-            </a:r>
-            <a:r>
-              <a:rPr lang="en-US" sz="1600" dirty="0"/>
-              <a:t>Bir web </a:t>
-            </a:r>
-            <a:r>
-              <a:rPr lang="en-US" sz="1600" dirty="0" err="1"/>
-              <a:t>uygulamasının</a:t>
-            </a:r>
-            <a:r>
-              <a:rPr lang="en-US" sz="1600" dirty="0"/>
-              <a:t> </a:t>
-            </a:r>
-            <a:r>
-              <a:rPr lang="en-US" sz="1600" dirty="0" err="1"/>
-              <a:t>en</a:t>
-            </a:r>
-            <a:r>
-              <a:rPr lang="en-US" sz="1600" dirty="0"/>
-              <a:t> alt </a:t>
-            </a:r>
-            <a:r>
-              <a:rPr lang="en-US" sz="1600" dirty="0" err="1"/>
-              <a:t>katmanıdır</a:t>
-            </a:r>
-            <a:r>
-              <a:rPr lang="en-US" sz="1600" dirty="0"/>
-              <a:t>. </a:t>
-            </a:r>
-            <a:r>
-              <a:rPr lang="en-US" sz="1600" dirty="0" err="1"/>
-              <a:t>Kullanılan</a:t>
-            </a:r>
-            <a:r>
-              <a:rPr lang="en-US" sz="1600" dirty="0"/>
-              <a:t> database </a:t>
-            </a:r>
-            <a:r>
-              <a:rPr lang="en-US" sz="1600" dirty="0" err="1"/>
-              <a:t>ile</a:t>
-            </a:r>
-            <a:r>
-              <a:rPr lang="en-US" sz="1600" dirty="0"/>
-              <a:t> </a:t>
-            </a:r>
-            <a:r>
-              <a:rPr lang="en-US" sz="1600" dirty="0" err="1"/>
-              <a:t>iletişim</a:t>
-            </a:r>
-            <a:r>
-              <a:rPr lang="en-US" sz="1600" dirty="0"/>
-              <a:t> </a:t>
-            </a:r>
-            <a:r>
-              <a:rPr lang="en-US" sz="1600" dirty="0" err="1"/>
-              <a:t>kurmaktan</a:t>
-            </a:r>
-            <a:r>
-              <a:rPr lang="en-US" sz="1600" dirty="0"/>
-              <a:t> </a:t>
-            </a:r>
-            <a:r>
-              <a:rPr lang="en-US" sz="1600" dirty="0" err="1"/>
-              <a:t>sorumludur</a:t>
-            </a:r>
-            <a:r>
-              <a:rPr lang="en-US" sz="1600" dirty="0"/>
-              <a:t>. Spring </a:t>
-            </a:r>
-            <a:r>
-              <a:rPr lang="en-US" sz="1600" dirty="0" err="1"/>
-              <a:t>uygulamalarında</a:t>
-            </a:r>
-            <a:r>
-              <a:rPr lang="en-US" sz="1600" dirty="0"/>
-              <a:t> </a:t>
-            </a:r>
-            <a:r>
-              <a:rPr lang="en-US" sz="1600" dirty="0" err="1"/>
-              <a:t>bu</a:t>
-            </a:r>
-            <a:r>
-              <a:rPr lang="en-US" sz="1600" dirty="0"/>
-              <a:t> </a:t>
-            </a:r>
-            <a:r>
-              <a:rPr lang="en-US" sz="1600" dirty="0" err="1"/>
-              <a:t>katman</a:t>
-            </a:r>
-            <a:r>
-              <a:rPr lang="en-US" sz="1600" dirty="0"/>
-              <a:t> </a:t>
-            </a:r>
-            <a:r>
-              <a:rPr lang="en-US" sz="1600" dirty="0">
-                <a:solidFill>
-                  <a:schemeClr val="accent5"/>
-                </a:solidFill>
-              </a:rPr>
-              <a:t>@Repository </a:t>
-            </a:r>
-            <a:r>
-              <a:rPr lang="en-US" sz="1600" dirty="0" err="1"/>
-              <a:t>anotasyonu</a:t>
-            </a:r>
-            <a:r>
-              <a:rPr lang="en-US" sz="1600" dirty="0"/>
-              <a:t> </a:t>
-            </a:r>
-            <a:r>
-              <a:rPr lang="en-US" sz="1600" dirty="0" err="1"/>
-              <a:t>ile</a:t>
-            </a:r>
-            <a:r>
-              <a:rPr lang="en-US" sz="1600" dirty="0"/>
-              <a:t> </a:t>
-            </a:r>
-            <a:r>
-              <a:rPr lang="en-US" sz="1600" dirty="0" err="1"/>
-              <a:t>işaretlenir</a:t>
-            </a:r>
-            <a:r>
-              <a:rPr lang="en-US" sz="1600" dirty="0"/>
+              <a:rPr lang="en-US" sz="1200" b="1" dirty="0">
+                <a:effectLst/>
+              </a:rPr>
               <a:t>.</a:t>
             </a:r>
           </a:p>
